--- a/doc/show.pptx
+++ b/doc/show.pptx
@@ -104,6 +104,11 @@
       </a:defRPr>
     </a:lvl9pPr>
   </p:defaultTextStyle>
+  <p:extLst>
+    <p:ext uri="{EFAFB233-063F-42B5-8137-9DF3F51BA10A}">
+      <p15:sldGuideLst xmlns:p15="http://schemas.microsoft.com/office/powerpoint/2012/main"/>
+    </p:ext>
+  </p:extLst>
 </p:presentation>
 </file>
 
@@ -254,7 +259,7 @@
           <a:p>
             <a:fld id="{1725E48A-0A14-4AE6-88E4-AC04ED04502F}" type="datetimeFigureOut">
               <a:rPr lang="zh-CN" altLang="en-US" smtClean="0"/>
-              <a:t>2018/3/30</a:t>
+              <a:t>2018/4/6</a:t>
             </a:fld>
             <a:endParaRPr lang="zh-CN" altLang="en-US"/>
           </a:p>
@@ -452,7 +457,7 @@
           <a:p>
             <a:fld id="{1725E48A-0A14-4AE6-88E4-AC04ED04502F}" type="datetimeFigureOut">
               <a:rPr lang="zh-CN" altLang="en-US" smtClean="0"/>
-              <a:t>2018/3/30</a:t>
+              <a:t>2018/4/6</a:t>
             </a:fld>
             <a:endParaRPr lang="zh-CN" altLang="en-US"/>
           </a:p>
@@ -660,7 +665,7 @@
           <a:p>
             <a:fld id="{1725E48A-0A14-4AE6-88E4-AC04ED04502F}" type="datetimeFigureOut">
               <a:rPr lang="zh-CN" altLang="en-US" smtClean="0"/>
-              <a:t>2018/3/30</a:t>
+              <a:t>2018/4/6</a:t>
             </a:fld>
             <a:endParaRPr lang="zh-CN" altLang="en-US"/>
           </a:p>
@@ -858,7 +863,7 @@
           <a:p>
             <a:fld id="{1725E48A-0A14-4AE6-88E4-AC04ED04502F}" type="datetimeFigureOut">
               <a:rPr lang="zh-CN" altLang="en-US" smtClean="0"/>
-              <a:t>2018/3/30</a:t>
+              <a:t>2018/4/6</a:t>
             </a:fld>
             <a:endParaRPr lang="zh-CN" altLang="en-US"/>
           </a:p>
@@ -1133,7 +1138,7 @@
           <a:p>
             <a:fld id="{1725E48A-0A14-4AE6-88E4-AC04ED04502F}" type="datetimeFigureOut">
               <a:rPr lang="zh-CN" altLang="en-US" smtClean="0"/>
-              <a:t>2018/3/30</a:t>
+              <a:t>2018/4/6</a:t>
             </a:fld>
             <a:endParaRPr lang="zh-CN" altLang="en-US"/>
           </a:p>
@@ -1398,7 +1403,7 @@
           <a:p>
             <a:fld id="{1725E48A-0A14-4AE6-88E4-AC04ED04502F}" type="datetimeFigureOut">
               <a:rPr lang="zh-CN" altLang="en-US" smtClean="0"/>
-              <a:t>2018/3/30</a:t>
+              <a:t>2018/4/6</a:t>
             </a:fld>
             <a:endParaRPr lang="zh-CN" altLang="en-US"/>
           </a:p>
@@ -1810,7 +1815,7 @@
           <a:p>
             <a:fld id="{1725E48A-0A14-4AE6-88E4-AC04ED04502F}" type="datetimeFigureOut">
               <a:rPr lang="zh-CN" altLang="en-US" smtClean="0"/>
-              <a:t>2018/3/30</a:t>
+              <a:t>2018/4/6</a:t>
             </a:fld>
             <a:endParaRPr lang="zh-CN" altLang="en-US"/>
           </a:p>
@@ -1951,7 +1956,7 @@
           <a:p>
             <a:fld id="{1725E48A-0A14-4AE6-88E4-AC04ED04502F}" type="datetimeFigureOut">
               <a:rPr lang="zh-CN" altLang="en-US" smtClean="0"/>
-              <a:t>2018/3/30</a:t>
+              <a:t>2018/4/6</a:t>
             </a:fld>
             <a:endParaRPr lang="zh-CN" altLang="en-US"/>
           </a:p>
@@ -2064,7 +2069,7 @@
           <a:p>
             <a:fld id="{1725E48A-0A14-4AE6-88E4-AC04ED04502F}" type="datetimeFigureOut">
               <a:rPr lang="zh-CN" altLang="en-US" smtClean="0"/>
-              <a:t>2018/3/30</a:t>
+              <a:t>2018/4/6</a:t>
             </a:fld>
             <a:endParaRPr lang="zh-CN" altLang="en-US"/>
           </a:p>
@@ -2375,7 +2380,7 @@
           <a:p>
             <a:fld id="{1725E48A-0A14-4AE6-88E4-AC04ED04502F}" type="datetimeFigureOut">
               <a:rPr lang="zh-CN" altLang="en-US" smtClean="0"/>
-              <a:t>2018/3/30</a:t>
+              <a:t>2018/4/6</a:t>
             </a:fld>
             <a:endParaRPr lang="zh-CN" altLang="en-US"/>
           </a:p>
@@ -2663,7 +2668,7 @@
           <a:p>
             <a:fld id="{1725E48A-0A14-4AE6-88E4-AC04ED04502F}" type="datetimeFigureOut">
               <a:rPr lang="zh-CN" altLang="en-US" smtClean="0"/>
-              <a:t>2018/3/30</a:t>
+              <a:t>2018/4/6</a:t>
             </a:fld>
             <a:endParaRPr lang="zh-CN" altLang="en-US"/>
           </a:p>
@@ -2904,7 +2909,7 @@
           <a:p>
             <a:fld id="{1725E48A-0A14-4AE6-88E4-AC04ED04502F}" type="datetimeFigureOut">
               <a:rPr lang="zh-CN" altLang="en-US" smtClean="0"/>
-              <a:t>2018/3/30</a:t>
+              <a:t>2018/4/6</a:t>
             </a:fld>
             <a:endParaRPr lang="zh-CN" altLang="en-US"/>
           </a:p>
@@ -4293,25 +4298,25 @@
                 </a:r>
                 <a14:m>
                   <m:oMath xmlns:m="http://schemas.openxmlformats.org/officeDocument/2006/math">
-                    <m:sSup>
-                      <m:sSupPr>
+                    <m:sSub>
+                      <m:sSubPr>
                         <m:ctrlPr>
                           <a:rPr lang="zh-CN" altLang="zh-CN" i="1"/>
                         </m:ctrlPr>
-                      </m:sSupPr>
+                      </m:sSubPr>
                       <m:e>
                         <m:r>
                           <a:rPr lang="en-US" altLang="zh-CN" i="1"/>
                           <m:t>𝑥</m:t>
                         </m:r>
                       </m:e>
-                      <m:sup>
+                      <m:sub>
                         <m:r>
                           <a:rPr lang="en-US" altLang="zh-CN" i="1"/>
                           <m:t>𝑖</m:t>
                         </m:r>
-                      </m:sup>
-                    </m:sSup>
+                      </m:sub>
+                    </m:sSub>
                   </m:oMath>
                 </a14:m>
                 <a:endParaRPr lang="zh-CN" altLang="en-US" dirty="0"/>
@@ -4345,7 +4350,7 @@
               <a:blipFill>
                 <a:blip r:embed="rId2"/>
                 <a:stretch>
-                  <a:fillRect l="-3448" t="-6557" b="-26230"/>
+                  <a:fillRect l="-3448" t="-8197" b="-24590"/>
                 </a:stretch>
               </a:blipFill>
             </p:spPr>
@@ -4400,12 +4405,14 @@
                 </a:r>
                 <a14:m>
                   <m:oMath xmlns:m="http://schemas.openxmlformats.org/officeDocument/2006/math">
-                    <m:sSup>
-                      <m:sSupPr>
+                    <m:sSub>
+                      <m:sSubPr>
                         <m:ctrlPr>
-                          <a:rPr lang="zh-CN" altLang="zh-CN" i="1"/>
+                          <a:rPr lang="zh-CN" altLang="zh-CN" i="1">
+                            <a:latin typeface="Cambria Math" panose="02040503050406030204" pitchFamily="18" charset="0"/>
+                          </a:rPr>
                         </m:ctrlPr>
-                      </m:sSupPr>
+                      </m:sSubPr>
                       <m:e>
                         <m:r>
                           <m:rPr>
@@ -4417,13 +4424,15 @@
                           <m:t>y</m:t>
                         </m:r>
                       </m:e>
-                      <m:sup>
+                      <m:sub>
                         <m:r>
-                          <a:rPr lang="en-US" altLang="zh-CN" i="1"/>
+                          <a:rPr lang="en-US" altLang="zh-CN" i="1">
+                            <a:latin typeface="Cambria Math" panose="02040503050406030204" pitchFamily="18" charset="0"/>
+                          </a:rPr>
                           <m:t>𝑖</m:t>
                         </m:r>
-                      </m:sup>
-                    </m:sSup>
+                      </m:sub>
+                    </m:sSub>
                   </m:oMath>
                 </a14:m>
                 <a:endParaRPr lang="zh-CN" altLang="en-US" dirty="0"/>
@@ -4457,7 +4466,7 @@
               <a:blipFill>
                 <a:blip r:embed="rId3"/>
                 <a:stretch>
-                  <a:fillRect l="-3448" t="-6452" b="-24194"/>
+                  <a:fillRect l="-3448" t="-8065" b="-22581"/>
                 </a:stretch>
               </a:blipFill>
             </p:spPr>
@@ -4476,8 +4485,8 @@
           </p:sp>
         </mc:Fallback>
       </mc:AlternateContent>
-      <mc:AlternateContent xmlns:mc="http://schemas.openxmlformats.org/markup-compatibility/2006">
-        <mc:Choice xmlns:a14="http://schemas.microsoft.com/office/drawing/2010/main" Requires="a14">
+      <mc:AlternateContent xmlns:mc="http://schemas.openxmlformats.org/markup-compatibility/2006" xmlns:a14="http://schemas.microsoft.com/office/drawing/2010/main">
+        <mc:Choice Requires="a14">
           <p:sp>
             <p:nvSpPr>
               <p:cNvPr id="48" name="文本框 47">
@@ -4506,6 +4515,7 @@
               </a:bodyPr>
               <a:lstStyle/>
               <a:p>
+                <a:pPr/>
                 <a14:m>
                   <m:oMathPara xmlns:m="http://schemas.openxmlformats.org/officeDocument/2006/math">
                     <m:oMathParaPr>
@@ -4556,7 +4566,7 @@
             </p:txBody>
           </p:sp>
         </mc:Choice>
-        <mc:Fallback>
+        <mc:Fallback xmlns="">
           <p:sp>
             <p:nvSpPr>
               <p:cNvPr id="48" name="文本框 47">
@@ -4601,8 +4611,8 @@
           </p:sp>
         </mc:Fallback>
       </mc:AlternateContent>
-      <mc:AlternateContent xmlns:mc="http://schemas.openxmlformats.org/markup-compatibility/2006">
-        <mc:Choice xmlns:a14="http://schemas.microsoft.com/office/drawing/2010/main" Requires="a14">
+      <mc:AlternateContent xmlns:mc="http://schemas.openxmlformats.org/markup-compatibility/2006" xmlns:a14="http://schemas.microsoft.com/office/drawing/2010/main">
+        <mc:Choice Requires="a14">
           <p:sp>
             <p:nvSpPr>
               <p:cNvPr id="50" name="文本框 49">
@@ -4631,6 +4641,7 @@
               </a:bodyPr>
               <a:lstStyle/>
               <a:p>
+                <a:pPr/>
                 <a14:m>
                   <m:oMathPara xmlns:m="http://schemas.openxmlformats.org/officeDocument/2006/math">
                     <m:oMathParaPr>
@@ -4684,7 +4695,7 @@
             </p:txBody>
           </p:sp>
         </mc:Choice>
-        <mc:Fallback>
+        <mc:Fallback xmlns="">
           <p:sp>
             <p:nvSpPr>
               <p:cNvPr id="50" name="文本框 49">
@@ -4729,8 +4740,8 @@
           </p:sp>
         </mc:Fallback>
       </mc:AlternateContent>
-      <mc:AlternateContent xmlns:mc="http://schemas.openxmlformats.org/markup-compatibility/2006">
-        <mc:Choice xmlns:a14="http://schemas.microsoft.com/office/drawing/2010/main" Requires="a14">
+      <mc:AlternateContent xmlns:mc="http://schemas.openxmlformats.org/markup-compatibility/2006" xmlns:a14="http://schemas.microsoft.com/office/drawing/2010/main">
+        <mc:Choice Requires="a14">
           <p:sp>
             <p:nvSpPr>
               <p:cNvPr id="51" name="文本框 50">
@@ -4759,6 +4770,7 @@
               </a:bodyPr>
               <a:lstStyle/>
               <a:p>
+                <a:pPr/>
                 <a14:m>
                   <m:oMathPara xmlns:m="http://schemas.openxmlformats.org/officeDocument/2006/math">
                     <m:oMathParaPr>
@@ -4812,7 +4824,7 @@
             </p:txBody>
           </p:sp>
         </mc:Choice>
-        <mc:Fallback>
+        <mc:Fallback xmlns="">
           <p:sp>
             <p:nvSpPr>
               <p:cNvPr id="51" name="文本框 50">
